--- a/ppt 16-9/0410.颂扬主宝血.pptx
+++ b/ppt 16-9/0410.颂扬主宝血.pptx
@@ -5,7 +5,7 @@
     <p:sldMasterId id="2147483648" r:id="rId1"/>
   </p:sldMasterIdLst>
   <p:sldIdLst>
-    <p:sldId id="2884" r:id="rId2"/>
+    <p:sldId id="2886" r:id="rId2"/>
   </p:sldIdLst>
   <p:sldSz cx="12192000" cy="6858000"/>
   <p:notesSz cx="6858000" cy="9144000"/>
@@ -129,7 +129,7 @@
           <p:cNvPr id="2" name="标题 1">
             <a:extLst>
               <a:ext uri="{FF2B5EF4-FFF2-40B4-BE49-F238E27FC236}">
-                <a16:creationId xmlns:a16="http://schemas.microsoft.com/office/drawing/2014/main" id="{8715DBAD-DBFD-49CC-ADF7-AC6EB07C3854}"/>
+                <a16:creationId xmlns:a16="http://schemas.microsoft.com/office/drawing/2014/main" id="{105357FA-BEDD-53E5-E14A-ACF7638AC146}"/>
               </a:ext>
             </a:extLst>
           </p:cNvPr>
@@ -166,7 +166,7 @@
           <p:cNvPr id="3" name="副标题 2">
             <a:extLst>
               <a:ext uri="{FF2B5EF4-FFF2-40B4-BE49-F238E27FC236}">
-                <a16:creationId xmlns:a16="http://schemas.microsoft.com/office/drawing/2014/main" id="{B2B374F6-4CE4-53C9-D9BA-FF5F689B23C5}"/>
+                <a16:creationId xmlns:a16="http://schemas.microsoft.com/office/drawing/2014/main" id="{99A23F17-B6E3-06B3-BA56-4B5EEDF657D1}"/>
               </a:ext>
             </a:extLst>
           </p:cNvPr>
@@ -236,7 +236,7 @@
           <p:cNvPr id="4" name="日期占位符 3">
             <a:extLst>
               <a:ext uri="{FF2B5EF4-FFF2-40B4-BE49-F238E27FC236}">
-                <a16:creationId xmlns:a16="http://schemas.microsoft.com/office/drawing/2014/main" id="{42498005-4309-F812-0AA0-611EC5ACBAE4}"/>
+                <a16:creationId xmlns:a16="http://schemas.microsoft.com/office/drawing/2014/main" id="{A315FC2E-FC8D-C13A-93E3-C685974CD01D}"/>
               </a:ext>
             </a:extLst>
           </p:cNvPr>
@@ -252,7 +252,7 @@
           <a:bodyPr/>
           <a:lstStyle/>
           <a:p>
-            <a:fld id="{EC5EED41-C99B-4A47-AD60-15DF244AF524}" type="datetimeFigureOut">
+            <a:fld id="{86292F41-5642-4100-84D3-ABD41DA87D0E}" type="datetimeFigureOut">
               <a:rPr lang="zh-CN" altLang="en-US" smtClean="0"/>
               <a:t>2024/3/10</a:t>
             </a:fld>
@@ -265,7 +265,7 @@
           <p:cNvPr id="5" name="页脚占位符 4">
             <a:extLst>
               <a:ext uri="{FF2B5EF4-FFF2-40B4-BE49-F238E27FC236}">
-                <a16:creationId xmlns:a16="http://schemas.microsoft.com/office/drawing/2014/main" id="{B496A885-E5A4-C699-BCD1-9AFDEE439278}"/>
+                <a16:creationId xmlns:a16="http://schemas.microsoft.com/office/drawing/2014/main" id="{4657EA04-1B12-4ECF-DDFA-3851D1735464}"/>
               </a:ext>
             </a:extLst>
           </p:cNvPr>
@@ -290,7 +290,7 @@
           <p:cNvPr id="6" name="灯片编号占位符 5">
             <a:extLst>
               <a:ext uri="{FF2B5EF4-FFF2-40B4-BE49-F238E27FC236}">
-                <a16:creationId xmlns:a16="http://schemas.microsoft.com/office/drawing/2014/main" id="{0C984CAA-D728-9AE2-B15D-2D75658927D8}"/>
+                <a16:creationId xmlns:a16="http://schemas.microsoft.com/office/drawing/2014/main" id="{6FEB3D56-4A2D-851D-150A-21E81AFE8DE3}"/>
               </a:ext>
             </a:extLst>
           </p:cNvPr>
@@ -306,7 +306,7 @@
           <a:bodyPr/>
           <a:lstStyle/>
           <a:p>
-            <a:fld id="{D1323886-4EE6-44BF-A46A-048D25994BBB}" type="slidenum">
+            <a:fld id="{8D73F9B7-6A3D-4ABE-A99D-2A7CF91E82AE}" type="slidenum">
               <a:rPr lang="zh-CN" altLang="en-US" smtClean="0"/>
               <a:t>‹#›</a:t>
             </a:fld>
@@ -317,7 +317,7 @@
     </p:spTree>
     <p:extLst>
       <p:ext uri="{BB962C8B-B14F-4D97-AF65-F5344CB8AC3E}">
-        <p14:creationId xmlns:p14="http://schemas.microsoft.com/office/powerpoint/2010/main" val="3174449344"/>
+        <p14:creationId xmlns:p14="http://schemas.microsoft.com/office/powerpoint/2010/main" val="3148487588"/>
       </p:ext>
     </p:extLst>
   </p:cSld>
@@ -349,7 +349,7 @@
           <p:cNvPr id="2" name="标题 1">
             <a:extLst>
               <a:ext uri="{FF2B5EF4-FFF2-40B4-BE49-F238E27FC236}">
-                <a16:creationId xmlns:a16="http://schemas.microsoft.com/office/drawing/2014/main" id="{342FE33E-515B-2D58-2624-17556E2CE9D0}"/>
+                <a16:creationId xmlns:a16="http://schemas.microsoft.com/office/drawing/2014/main" id="{3FC13C3E-475F-5DEF-520B-3CEA22A2BEBA}"/>
               </a:ext>
             </a:extLst>
           </p:cNvPr>
@@ -377,7 +377,7 @@
           <p:cNvPr id="3" name="竖排文字占位符 2">
             <a:extLst>
               <a:ext uri="{FF2B5EF4-FFF2-40B4-BE49-F238E27FC236}">
-                <a16:creationId xmlns:a16="http://schemas.microsoft.com/office/drawing/2014/main" id="{085244ED-85B0-D9C4-D1B8-EFAE98DE0760}"/>
+                <a16:creationId xmlns:a16="http://schemas.microsoft.com/office/drawing/2014/main" id="{05267226-32AD-AA1C-3321-7F077794EA34}"/>
               </a:ext>
             </a:extLst>
           </p:cNvPr>
@@ -434,7 +434,7 @@
           <p:cNvPr id="4" name="日期占位符 3">
             <a:extLst>
               <a:ext uri="{FF2B5EF4-FFF2-40B4-BE49-F238E27FC236}">
-                <a16:creationId xmlns:a16="http://schemas.microsoft.com/office/drawing/2014/main" id="{70338831-7560-0AE4-ADF0-D0CBD27D0AFD}"/>
+                <a16:creationId xmlns:a16="http://schemas.microsoft.com/office/drawing/2014/main" id="{F58BB558-7A48-EB31-7CD9-4954925B4C30}"/>
               </a:ext>
             </a:extLst>
           </p:cNvPr>
@@ -450,7 +450,7 @@
           <a:bodyPr/>
           <a:lstStyle/>
           <a:p>
-            <a:fld id="{EC5EED41-C99B-4A47-AD60-15DF244AF524}" type="datetimeFigureOut">
+            <a:fld id="{86292F41-5642-4100-84D3-ABD41DA87D0E}" type="datetimeFigureOut">
               <a:rPr lang="zh-CN" altLang="en-US" smtClean="0"/>
               <a:t>2024/3/10</a:t>
             </a:fld>
@@ -463,7 +463,7 @@
           <p:cNvPr id="5" name="页脚占位符 4">
             <a:extLst>
               <a:ext uri="{FF2B5EF4-FFF2-40B4-BE49-F238E27FC236}">
-                <a16:creationId xmlns:a16="http://schemas.microsoft.com/office/drawing/2014/main" id="{B845141D-1DFE-A571-5A9B-9912FE35E4D3}"/>
+                <a16:creationId xmlns:a16="http://schemas.microsoft.com/office/drawing/2014/main" id="{0875CA08-6474-66FA-AB6A-1C91A9A9AB61}"/>
               </a:ext>
             </a:extLst>
           </p:cNvPr>
@@ -488,7 +488,7 @@
           <p:cNvPr id="6" name="灯片编号占位符 5">
             <a:extLst>
               <a:ext uri="{FF2B5EF4-FFF2-40B4-BE49-F238E27FC236}">
-                <a16:creationId xmlns:a16="http://schemas.microsoft.com/office/drawing/2014/main" id="{5EBE7372-9864-A757-92A1-BBC0B773EEB6}"/>
+                <a16:creationId xmlns:a16="http://schemas.microsoft.com/office/drawing/2014/main" id="{29809DB9-7A42-06DC-5E90-19F6E85136CF}"/>
               </a:ext>
             </a:extLst>
           </p:cNvPr>
@@ -504,7 +504,7 @@
           <a:bodyPr/>
           <a:lstStyle/>
           <a:p>
-            <a:fld id="{D1323886-4EE6-44BF-A46A-048D25994BBB}" type="slidenum">
+            <a:fld id="{8D73F9B7-6A3D-4ABE-A99D-2A7CF91E82AE}" type="slidenum">
               <a:rPr lang="zh-CN" altLang="en-US" smtClean="0"/>
               <a:t>‹#›</a:t>
             </a:fld>
@@ -515,7 +515,7 @@
     </p:spTree>
     <p:extLst>
       <p:ext uri="{BB962C8B-B14F-4D97-AF65-F5344CB8AC3E}">
-        <p14:creationId xmlns:p14="http://schemas.microsoft.com/office/powerpoint/2010/main" val="2341895571"/>
+        <p14:creationId xmlns:p14="http://schemas.microsoft.com/office/powerpoint/2010/main" val="2877681045"/>
       </p:ext>
     </p:extLst>
   </p:cSld>
@@ -547,7 +547,7 @@
           <p:cNvPr id="2" name="竖排标题 1">
             <a:extLst>
               <a:ext uri="{FF2B5EF4-FFF2-40B4-BE49-F238E27FC236}">
-                <a16:creationId xmlns:a16="http://schemas.microsoft.com/office/drawing/2014/main" id="{21F64361-4C73-87F7-1831-3BEBE38078AF}"/>
+                <a16:creationId xmlns:a16="http://schemas.microsoft.com/office/drawing/2014/main" id="{35222010-1F25-D28D-1494-DC0E3882536D}"/>
               </a:ext>
             </a:extLst>
           </p:cNvPr>
@@ -580,7 +580,7 @@
           <p:cNvPr id="3" name="竖排文字占位符 2">
             <a:extLst>
               <a:ext uri="{FF2B5EF4-FFF2-40B4-BE49-F238E27FC236}">
-                <a16:creationId xmlns:a16="http://schemas.microsoft.com/office/drawing/2014/main" id="{308BF3A7-171C-6457-55BD-893777FA2D69}"/>
+                <a16:creationId xmlns:a16="http://schemas.microsoft.com/office/drawing/2014/main" id="{DB0815D3-B993-6357-1392-23352D896B4A}"/>
               </a:ext>
             </a:extLst>
           </p:cNvPr>
@@ -642,7 +642,7 @@
           <p:cNvPr id="4" name="日期占位符 3">
             <a:extLst>
               <a:ext uri="{FF2B5EF4-FFF2-40B4-BE49-F238E27FC236}">
-                <a16:creationId xmlns:a16="http://schemas.microsoft.com/office/drawing/2014/main" id="{C426F0D6-977D-021C-A03F-F23C407EC0E3}"/>
+                <a16:creationId xmlns:a16="http://schemas.microsoft.com/office/drawing/2014/main" id="{5B20F20B-C188-E33A-CE54-571BCA82CA7B}"/>
               </a:ext>
             </a:extLst>
           </p:cNvPr>
@@ -658,7 +658,7 @@
           <a:bodyPr/>
           <a:lstStyle/>
           <a:p>
-            <a:fld id="{EC5EED41-C99B-4A47-AD60-15DF244AF524}" type="datetimeFigureOut">
+            <a:fld id="{86292F41-5642-4100-84D3-ABD41DA87D0E}" type="datetimeFigureOut">
               <a:rPr lang="zh-CN" altLang="en-US" smtClean="0"/>
               <a:t>2024/3/10</a:t>
             </a:fld>
@@ -671,7 +671,7 @@
           <p:cNvPr id="5" name="页脚占位符 4">
             <a:extLst>
               <a:ext uri="{FF2B5EF4-FFF2-40B4-BE49-F238E27FC236}">
-                <a16:creationId xmlns:a16="http://schemas.microsoft.com/office/drawing/2014/main" id="{7DE521F6-170B-27BE-B11D-E54DF9733108}"/>
+                <a16:creationId xmlns:a16="http://schemas.microsoft.com/office/drawing/2014/main" id="{9595F986-6FEF-E009-BB02-000C3F7A23F7}"/>
               </a:ext>
             </a:extLst>
           </p:cNvPr>
@@ -696,7 +696,7 @@
           <p:cNvPr id="6" name="灯片编号占位符 5">
             <a:extLst>
               <a:ext uri="{FF2B5EF4-FFF2-40B4-BE49-F238E27FC236}">
-                <a16:creationId xmlns:a16="http://schemas.microsoft.com/office/drawing/2014/main" id="{17DFCE1E-B5C4-7A89-DB2F-F3C588C2DAD9}"/>
+                <a16:creationId xmlns:a16="http://schemas.microsoft.com/office/drawing/2014/main" id="{143492EC-0AFF-C462-A922-4797ACDE70AE}"/>
               </a:ext>
             </a:extLst>
           </p:cNvPr>
@@ -712,7 +712,7 @@
           <a:bodyPr/>
           <a:lstStyle/>
           <a:p>
-            <a:fld id="{D1323886-4EE6-44BF-A46A-048D25994BBB}" type="slidenum">
+            <a:fld id="{8D73F9B7-6A3D-4ABE-A99D-2A7CF91E82AE}" type="slidenum">
               <a:rPr lang="zh-CN" altLang="en-US" smtClean="0"/>
               <a:t>‹#›</a:t>
             </a:fld>
@@ -723,7 +723,7 @@
     </p:spTree>
     <p:extLst>
       <p:ext uri="{BB962C8B-B14F-4D97-AF65-F5344CB8AC3E}">
-        <p14:creationId xmlns:p14="http://schemas.microsoft.com/office/powerpoint/2010/main" val="3797284347"/>
+        <p14:creationId xmlns:p14="http://schemas.microsoft.com/office/powerpoint/2010/main" val="258922084"/>
       </p:ext>
     </p:extLst>
   </p:cSld>
@@ -755,7 +755,7 @@
           <p:cNvPr id="2" name="标题 1">
             <a:extLst>
               <a:ext uri="{FF2B5EF4-FFF2-40B4-BE49-F238E27FC236}">
-                <a16:creationId xmlns:a16="http://schemas.microsoft.com/office/drawing/2014/main" id="{68D28241-B72E-21BF-2152-C3F73544E95D}"/>
+                <a16:creationId xmlns:a16="http://schemas.microsoft.com/office/drawing/2014/main" id="{2F372E9A-554F-D9A7-7910-05F3E740D205}"/>
               </a:ext>
             </a:extLst>
           </p:cNvPr>
@@ -783,7 +783,7 @@
           <p:cNvPr id="3" name="内容占位符 2">
             <a:extLst>
               <a:ext uri="{FF2B5EF4-FFF2-40B4-BE49-F238E27FC236}">
-                <a16:creationId xmlns:a16="http://schemas.microsoft.com/office/drawing/2014/main" id="{47DBECBE-7EAD-FB4A-B03B-5CBF2114386A}"/>
+                <a16:creationId xmlns:a16="http://schemas.microsoft.com/office/drawing/2014/main" id="{A5BFC6B2-E256-9CBD-6293-618470031F9D}"/>
               </a:ext>
             </a:extLst>
           </p:cNvPr>
@@ -840,7 +840,7 @@
           <p:cNvPr id="4" name="日期占位符 3">
             <a:extLst>
               <a:ext uri="{FF2B5EF4-FFF2-40B4-BE49-F238E27FC236}">
-                <a16:creationId xmlns:a16="http://schemas.microsoft.com/office/drawing/2014/main" id="{A77AD33E-2C83-222E-090E-31F89CDDA795}"/>
+                <a16:creationId xmlns:a16="http://schemas.microsoft.com/office/drawing/2014/main" id="{21948D2D-14CA-C518-037E-98A9F93A9C9E}"/>
               </a:ext>
             </a:extLst>
           </p:cNvPr>
@@ -856,7 +856,7 @@
           <a:bodyPr/>
           <a:lstStyle/>
           <a:p>
-            <a:fld id="{EC5EED41-C99B-4A47-AD60-15DF244AF524}" type="datetimeFigureOut">
+            <a:fld id="{86292F41-5642-4100-84D3-ABD41DA87D0E}" type="datetimeFigureOut">
               <a:rPr lang="zh-CN" altLang="en-US" smtClean="0"/>
               <a:t>2024/3/10</a:t>
             </a:fld>
@@ -869,7 +869,7 @@
           <p:cNvPr id="5" name="页脚占位符 4">
             <a:extLst>
               <a:ext uri="{FF2B5EF4-FFF2-40B4-BE49-F238E27FC236}">
-                <a16:creationId xmlns:a16="http://schemas.microsoft.com/office/drawing/2014/main" id="{7BC2D3C0-9547-83A0-0C7C-70C9CB98617A}"/>
+                <a16:creationId xmlns:a16="http://schemas.microsoft.com/office/drawing/2014/main" id="{AF3C1DEE-3933-C920-247E-9A08D1124BD2}"/>
               </a:ext>
             </a:extLst>
           </p:cNvPr>
@@ -894,7 +894,7 @@
           <p:cNvPr id="6" name="灯片编号占位符 5">
             <a:extLst>
               <a:ext uri="{FF2B5EF4-FFF2-40B4-BE49-F238E27FC236}">
-                <a16:creationId xmlns:a16="http://schemas.microsoft.com/office/drawing/2014/main" id="{2093DFBE-77CE-FBCE-1600-A961D2D5C89C}"/>
+                <a16:creationId xmlns:a16="http://schemas.microsoft.com/office/drawing/2014/main" id="{9B242A77-DB92-0A19-B18A-4DB4AA3F45AE}"/>
               </a:ext>
             </a:extLst>
           </p:cNvPr>
@@ -910,7 +910,7 @@
           <a:bodyPr/>
           <a:lstStyle/>
           <a:p>
-            <a:fld id="{D1323886-4EE6-44BF-A46A-048D25994BBB}" type="slidenum">
+            <a:fld id="{8D73F9B7-6A3D-4ABE-A99D-2A7CF91E82AE}" type="slidenum">
               <a:rPr lang="zh-CN" altLang="en-US" smtClean="0"/>
               <a:t>‹#›</a:t>
             </a:fld>
@@ -921,7 +921,7 @@
     </p:spTree>
     <p:extLst>
       <p:ext uri="{BB962C8B-B14F-4D97-AF65-F5344CB8AC3E}">
-        <p14:creationId xmlns:p14="http://schemas.microsoft.com/office/powerpoint/2010/main" val="28875358"/>
+        <p14:creationId xmlns:p14="http://schemas.microsoft.com/office/powerpoint/2010/main" val="1133346655"/>
       </p:ext>
     </p:extLst>
   </p:cSld>
@@ -953,7 +953,7 @@
           <p:cNvPr id="2" name="标题 1">
             <a:extLst>
               <a:ext uri="{FF2B5EF4-FFF2-40B4-BE49-F238E27FC236}">
-                <a16:creationId xmlns:a16="http://schemas.microsoft.com/office/drawing/2014/main" id="{6B5BFA65-2E91-1F5A-1C41-C43F89694452}"/>
+                <a16:creationId xmlns:a16="http://schemas.microsoft.com/office/drawing/2014/main" id="{66EBB5C3-ECE0-AF42-444E-1C43C3CD42AD}"/>
               </a:ext>
             </a:extLst>
           </p:cNvPr>
@@ -990,7 +990,7 @@
           <p:cNvPr id="3" name="文本占位符 2">
             <a:extLst>
               <a:ext uri="{FF2B5EF4-FFF2-40B4-BE49-F238E27FC236}">
-                <a16:creationId xmlns:a16="http://schemas.microsoft.com/office/drawing/2014/main" id="{73E7F23C-15D0-DAF1-50EE-6212E75883E7}"/>
+                <a16:creationId xmlns:a16="http://schemas.microsoft.com/office/drawing/2014/main" id="{80BFE889-7924-34DC-AECB-ECB0DB9F3BC4}"/>
               </a:ext>
             </a:extLst>
           </p:cNvPr>
@@ -1115,7 +1115,7 @@
           <p:cNvPr id="4" name="日期占位符 3">
             <a:extLst>
               <a:ext uri="{FF2B5EF4-FFF2-40B4-BE49-F238E27FC236}">
-                <a16:creationId xmlns:a16="http://schemas.microsoft.com/office/drawing/2014/main" id="{C76A8BF6-5293-1D4B-2EDA-6BFF467830F2}"/>
+                <a16:creationId xmlns:a16="http://schemas.microsoft.com/office/drawing/2014/main" id="{6BE26473-1A30-E8E3-CDCE-C2F606D80A01}"/>
               </a:ext>
             </a:extLst>
           </p:cNvPr>
@@ -1131,7 +1131,7 @@
           <a:bodyPr/>
           <a:lstStyle/>
           <a:p>
-            <a:fld id="{EC5EED41-C99B-4A47-AD60-15DF244AF524}" type="datetimeFigureOut">
+            <a:fld id="{86292F41-5642-4100-84D3-ABD41DA87D0E}" type="datetimeFigureOut">
               <a:rPr lang="zh-CN" altLang="en-US" smtClean="0"/>
               <a:t>2024/3/10</a:t>
             </a:fld>
@@ -1144,7 +1144,7 @@
           <p:cNvPr id="5" name="页脚占位符 4">
             <a:extLst>
               <a:ext uri="{FF2B5EF4-FFF2-40B4-BE49-F238E27FC236}">
-                <a16:creationId xmlns:a16="http://schemas.microsoft.com/office/drawing/2014/main" id="{C978B9BE-3009-C2BC-ED43-359FCE8E3CD9}"/>
+                <a16:creationId xmlns:a16="http://schemas.microsoft.com/office/drawing/2014/main" id="{9DD154C9-E28D-E5F3-4E3F-BB2689AD8211}"/>
               </a:ext>
             </a:extLst>
           </p:cNvPr>
@@ -1169,7 +1169,7 @@
           <p:cNvPr id="6" name="灯片编号占位符 5">
             <a:extLst>
               <a:ext uri="{FF2B5EF4-FFF2-40B4-BE49-F238E27FC236}">
-                <a16:creationId xmlns:a16="http://schemas.microsoft.com/office/drawing/2014/main" id="{CD89963B-6623-22E8-90D7-0F20A2A8EA85}"/>
+                <a16:creationId xmlns:a16="http://schemas.microsoft.com/office/drawing/2014/main" id="{2D1CA43A-47E0-FCEC-230E-65988FAAAABC}"/>
               </a:ext>
             </a:extLst>
           </p:cNvPr>
@@ -1185,7 +1185,7 @@
           <a:bodyPr/>
           <a:lstStyle/>
           <a:p>
-            <a:fld id="{D1323886-4EE6-44BF-A46A-048D25994BBB}" type="slidenum">
+            <a:fld id="{8D73F9B7-6A3D-4ABE-A99D-2A7CF91E82AE}" type="slidenum">
               <a:rPr lang="zh-CN" altLang="en-US" smtClean="0"/>
               <a:t>‹#›</a:t>
             </a:fld>
@@ -1196,7 +1196,7 @@
     </p:spTree>
     <p:extLst>
       <p:ext uri="{BB962C8B-B14F-4D97-AF65-F5344CB8AC3E}">
-        <p14:creationId xmlns:p14="http://schemas.microsoft.com/office/powerpoint/2010/main" val="3913766155"/>
+        <p14:creationId xmlns:p14="http://schemas.microsoft.com/office/powerpoint/2010/main" val="623216551"/>
       </p:ext>
     </p:extLst>
   </p:cSld>
@@ -1228,7 +1228,7 @@
           <p:cNvPr id="2" name="标题 1">
             <a:extLst>
               <a:ext uri="{FF2B5EF4-FFF2-40B4-BE49-F238E27FC236}">
-                <a16:creationId xmlns:a16="http://schemas.microsoft.com/office/drawing/2014/main" id="{643B8FBE-AC97-F83B-C896-BD56A694EC5E}"/>
+                <a16:creationId xmlns:a16="http://schemas.microsoft.com/office/drawing/2014/main" id="{B8EC9731-E58F-15A5-146F-45485E31BBFF}"/>
               </a:ext>
             </a:extLst>
           </p:cNvPr>
@@ -1256,7 +1256,7 @@
           <p:cNvPr id="3" name="内容占位符 2">
             <a:extLst>
               <a:ext uri="{FF2B5EF4-FFF2-40B4-BE49-F238E27FC236}">
-                <a16:creationId xmlns:a16="http://schemas.microsoft.com/office/drawing/2014/main" id="{4A06F4B6-06B3-0D3A-EBD4-AB4E9D046A91}"/>
+                <a16:creationId xmlns:a16="http://schemas.microsoft.com/office/drawing/2014/main" id="{A1CCB4F0-0962-D0FD-010F-5AB99A17FFB7}"/>
               </a:ext>
             </a:extLst>
           </p:cNvPr>
@@ -1318,7 +1318,7 @@
           <p:cNvPr id="4" name="内容占位符 3">
             <a:extLst>
               <a:ext uri="{FF2B5EF4-FFF2-40B4-BE49-F238E27FC236}">
-                <a16:creationId xmlns:a16="http://schemas.microsoft.com/office/drawing/2014/main" id="{152F9F13-1B0A-0BBD-4E79-A75B885F39F5}"/>
+                <a16:creationId xmlns:a16="http://schemas.microsoft.com/office/drawing/2014/main" id="{82257321-9B82-E0E7-9DD3-4E3E0F5E6949}"/>
               </a:ext>
             </a:extLst>
           </p:cNvPr>
@@ -1380,7 +1380,7 @@
           <p:cNvPr id="5" name="日期占位符 4">
             <a:extLst>
               <a:ext uri="{FF2B5EF4-FFF2-40B4-BE49-F238E27FC236}">
-                <a16:creationId xmlns:a16="http://schemas.microsoft.com/office/drawing/2014/main" id="{7038DED0-7BB9-3732-C1DA-880D4AEB7441}"/>
+                <a16:creationId xmlns:a16="http://schemas.microsoft.com/office/drawing/2014/main" id="{FAFCE5FB-C5ED-5C19-953A-6EBF0264B7A0}"/>
               </a:ext>
             </a:extLst>
           </p:cNvPr>
@@ -1396,7 +1396,7 @@
           <a:bodyPr/>
           <a:lstStyle/>
           <a:p>
-            <a:fld id="{EC5EED41-C99B-4A47-AD60-15DF244AF524}" type="datetimeFigureOut">
+            <a:fld id="{86292F41-5642-4100-84D3-ABD41DA87D0E}" type="datetimeFigureOut">
               <a:rPr lang="zh-CN" altLang="en-US" smtClean="0"/>
               <a:t>2024/3/10</a:t>
             </a:fld>
@@ -1409,7 +1409,7 @@
           <p:cNvPr id="6" name="页脚占位符 5">
             <a:extLst>
               <a:ext uri="{FF2B5EF4-FFF2-40B4-BE49-F238E27FC236}">
-                <a16:creationId xmlns:a16="http://schemas.microsoft.com/office/drawing/2014/main" id="{62CBC006-F4D2-A914-5E6A-424DEA85DAE2}"/>
+                <a16:creationId xmlns:a16="http://schemas.microsoft.com/office/drawing/2014/main" id="{EAB2DDE1-3419-6D1F-1029-7523AA4DF91F}"/>
               </a:ext>
             </a:extLst>
           </p:cNvPr>
@@ -1434,7 +1434,7 @@
           <p:cNvPr id="7" name="灯片编号占位符 6">
             <a:extLst>
               <a:ext uri="{FF2B5EF4-FFF2-40B4-BE49-F238E27FC236}">
-                <a16:creationId xmlns:a16="http://schemas.microsoft.com/office/drawing/2014/main" id="{2C8A608A-3A87-A38C-0D34-6D750B8D366B}"/>
+                <a16:creationId xmlns:a16="http://schemas.microsoft.com/office/drawing/2014/main" id="{335FD353-12DB-C18A-A05A-14A30ABBE1E0}"/>
               </a:ext>
             </a:extLst>
           </p:cNvPr>
@@ -1450,7 +1450,7 @@
           <a:bodyPr/>
           <a:lstStyle/>
           <a:p>
-            <a:fld id="{D1323886-4EE6-44BF-A46A-048D25994BBB}" type="slidenum">
+            <a:fld id="{8D73F9B7-6A3D-4ABE-A99D-2A7CF91E82AE}" type="slidenum">
               <a:rPr lang="zh-CN" altLang="en-US" smtClean="0"/>
               <a:t>‹#›</a:t>
             </a:fld>
@@ -1461,7 +1461,7 @@
     </p:spTree>
     <p:extLst>
       <p:ext uri="{BB962C8B-B14F-4D97-AF65-F5344CB8AC3E}">
-        <p14:creationId xmlns:p14="http://schemas.microsoft.com/office/powerpoint/2010/main" val="416633415"/>
+        <p14:creationId xmlns:p14="http://schemas.microsoft.com/office/powerpoint/2010/main" val="2582128413"/>
       </p:ext>
     </p:extLst>
   </p:cSld>
@@ -1493,7 +1493,7 @@
           <p:cNvPr id="2" name="标题 1">
             <a:extLst>
               <a:ext uri="{FF2B5EF4-FFF2-40B4-BE49-F238E27FC236}">
-                <a16:creationId xmlns:a16="http://schemas.microsoft.com/office/drawing/2014/main" id="{A773FCF2-120D-D0E2-D896-AA42CA83DA1E}"/>
+                <a16:creationId xmlns:a16="http://schemas.microsoft.com/office/drawing/2014/main" id="{B8265915-7EBB-7142-434B-39F1212F02FB}"/>
               </a:ext>
             </a:extLst>
           </p:cNvPr>
@@ -1526,7 +1526,7 @@
           <p:cNvPr id="3" name="文本占位符 2">
             <a:extLst>
               <a:ext uri="{FF2B5EF4-FFF2-40B4-BE49-F238E27FC236}">
-                <a16:creationId xmlns:a16="http://schemas.microsoft.com/office/drawing/2014/main" id="{72E74EB3-73D2-3407-ECFC-917C20FE7AC3}"/>
+                <a16:creationId xmlns:a16="http://schemas.microsoft.com/office/drawing/2014/main" id="{E476E1D2-0C15-7418-81AF-2182439DFF50}"/>
               </a:ext>
             </a:extLst>
           </p:cNvPr>
@@ -1597,7 +1597,7 @@
           <p:cNvPr id="4" name="内容占位符 3">
             <a:extLst>
               <a:ext uri="{FF2B5EF4-FFF2-40B4-BE49-F238E27FC236}">
-                <a16:creationId xmlns:a16="http://schemas.microsoft.com/office/drawing/2014/main" id="{ABD890D6-BA00-941B-4217-96BFC6CD4752}"/>
+                <a16:creationId xmlns:a16="http://schemas.microsoft.com/office/drawing/2014/main" id="{41DE4E2A-2B73-7D6D-01D5-21C705A66254}"/>
               </a:ext>
             </a:extLst>
           </p:cNvPr>
@@ -1659,7 +1659,7 @@
           <p:cNvPr id="5" name="文本占位符 4">
             <a:extLst>
               <a:ext uri="{FF2B5EF4-FFF2-40B4-BE49-F238E27FC236}">
-                <a16:creationId xmlns:a16="http://schemas.microsoft.com/office/drawing/2014/main" id="{E8C39A5D-0150-0A3B-65AF-511824EF2958}"/>
+                <a16:creationId xmlns:a16="http://schemas.microsoft.com/office/drawing/2014/main" id="{9073A670-358C-1A8B-CE4B-F4DDB8D97D1E}"/>
               </a:ext>
             </a:extLst>
           </p:cNvPr>
@@ -1730,7 +1730,7 @@
           <p:cNvPr id="6" name="内容占位符 5">
             <a:extLst>
               <a:ext uri="{FF2B5EF4-FFF2-40B4-BE49-F238E27FC236}">
-                <a16:creationId xmlns:a16="http://schemas.microsoft.com/office/drawing/2014/main" id="{660DC443-2470-2D8C-80C1-9C8F2B3ED14F}"/>
+                <a16:creationId xmlns:a16="http://schemas.microsoft.com/office/drawing/2014/main" id="{49480691-2D76-4F4F-D96A-50595BC081B9}"/>
               </a:ext>
             </a:extLst>
           </p:cNvPr>
@@ -1792,7 +1792,7 @@
           <p:cNvPr id="7" name="日期占位符 6">
             <a:extLst>
               <a:ext uri="{FF2B5EF4-FFF2-40B4-BE49-F238E27FC236}">
-                <a16:creationId xmlns:a16="http://schemas.microsoft.com/office/drawing/2014/main" id="{659B0519-6A96-79BC-7D66-CA933FA45115}"/>
+                <a16:creationId xmlns:a16="http://schemas.microsoft.com/office/drawing/2014/main" id="{D7588E6E-3781-F8BF-D835-931E9025F5EF}"/>
               </a:ext>
             </a:extLst>
           </p:cNvPr>
@@ -1808,7 +1808,7 @@
           <a:bodyPr/>
           <a:lstStyle/>
           <a:p>
-            <a:fld id="{EC5EED41-C99B-4A47-AD60-15DF244AF524}" type="datetimeFigureOut">
+            <a:fld id="{86292F41-5642-4100-84D3-ABD41DA87D0E}" type="datetimeFigureOut">
               <a:rPr lang="zh-CN" altLang="en-US" smtClean="0"/>
               <a:t>2024/3/10</a:t>
             </a:fld>
@@ -1821,7 +1821,7 @@
           <p:cNvPr id="8" name="页脚占位符 7">
             <a:extLst>
               <a:ext uri="{FF2B5EF4-FFF2-40B4-BE49-F238E27FC236}">
-                <a16:creationId xmlns:a16="http://schemas.microsoft.com/office/drawing/2014/main" id="{F1535921-0DEF-E2DA-DAEB-4DED3FB888C2}"/>
+                <a16:creationId xmlns:a16="http://schemas.microsoft.com/office/drawing/2014/main" id="{3ACB53D5-B7B8-482C-91B0-C706A387F8DC}"/>
               </a:ext>
             </a:extLst>
           </p:cNvPr>
@@ -1846,7 +1846,7 @@
           <p:cNvPr id="9" name="灯片编号占位符 8">
             <a:extLst>
               <a:ext uri="{FF2B5EF4-FFF2-40B4-BE49-F238E27FC236}">
-                <a16:creationId xmlns:a16="http://schemas.microsoft.com/office/drawing/2014/main" id="{D1255651-84DD-E9A8-E142-A54D26069CAF}"/>
+                <a16:creationId xmlns:a16="http://schemas.microsoft.com/office/drawing/2014/main" id="{57B7D72B-DC6F-B8B5-4C0C-6B832A941019}"/>
               </a:ext>
             </a:extLst>
           </p:cNvPr>
@@ -1862,7 +1862,7 @@
           <a:bodyPr/>
           <a:lstStyle/>
           <a:p>
-            <a:fld id="{D1323886-4EE6-44BF-A46A-048D25994BBB}" type="slidenum">
+            <a:fld id="{8D73F9B7-6A3D-4ABE-A99D-2A7CF91E82AE}" type="slidenum">
               <a:rPr lang="zh-CN" altLang="en-US" smtClean="0"/>
               <a:t>‹#›</a:t>
             </a:fld>
@@ -1873,7 +1873,7 @@
     </p:spTree>
     <p:extLst>
       <p:ext uri="{BB962C8B-B14F-4D97-AF65-F5344CB8AC3E}">
-        <p14:creationId xmlns:p14="http://schemas.microsoft.com/office/powerpoint/2010/main" val="2343950893"/>
+        <p14:creationId xmlns:p14="http://schemas.microsoft.com/office/powerpoint/2010/main" val="3495738227"/>
       </p:ext>
     </p:extLst>
   </p:cSld>
@@ -1905,7 +1905,7 @@
           <p:cNvPr id="2" name="标题 1">
             <a:extLst>
               <a:ext uri="{FF2B5EF4-FFF2-40B4-BE49-F238E27FC236}">
-                <a16:creationId xmlns:a16="http://schemas.microsoft.com/office/drawing/2014/main" id="{A62F3EA7-0E8A-7CB3-D100-DAC57B8DC13B}"/>
+                <a16:creationId xmlns:a16="http://schemas.microsoft.com/office/drawing/2014/main" id="{BD92A189-34E2-951E-DE9C-C478D16EE191}"/>
               </a:ext>
             </a:extLst>
           </p:cNvPr>
@@ -1933,7 +1933,7 @@
           <p:cNvPr id="3" name="日期占位符 2">
             <a:extLst>
               <a:ext uri="{FF2B5EF4-FFF2-40B4-BE49-F238E27FC236}">
-                <a16:creationId xmlns:a16="http://schemas.microsoft.com/office/drawing/2014/main" id="{C93112FC-30E5-2CFB-77B9-F4C5D8EDDA57}"/>
+                <a16:creationId xmlns:a16="http://schemas.microsoft.com/office/drawing/2014/main" id="{1AA1216A-D065-0435-E7E2-250D0114A541}"/>
               </a:ext>
             </a:extLst>
           </p:cNvPr>
@@ -1949,7 +1949,7 @@
           <a:bodyPr/>
           <a:lstStyle/>
           <a:p>
-            <a:fld id="{EC5EED41-C99B-4A47-AD60-15DF244AF524}" type="datetimeFigureOut">
+            <a:fld id="{86292F41-5642-4100-84D3-ABD41DA87D0E}" type="datetimeFigureOut">
               <a:rPr lang="zh-CN" altLang="en-US" smtClean="0"/>
               <a:t>2024/3/10</a:t>
             </a:fld>
@@ -1962,7 +1962,7 @@
           <p:cNvPr id="4" name="页脚占位符 3">
             <a:extLst>
               <a:ext uri="{FF2B5EF4-FFF2-40B4-BE49-F238E27FC236}">
-                <a16:creationId xmlns:a16="http://schemas.microsoft.com/office/drawing/2014/main" id="{0D9D323B-E535-DD97-1639-85EA3C713EAD}"/>
+                <a16:creationId xmlns:a16="http://schemas.microsoft.com/office/drawing/2014/main" id="{1C91E787-5B01-1628-4FE3-41E7CB32F420}"/>
               </a:ext>
             </a:extLst>
           </p:cNvPr>
@@ -1987,7 +1987,7 @@
           <p:cNvPr id="5" name="灯片编号占位符 4">
             <a:extLst>
               <a:ext uri="{FF2B5EF4-FFF2-40B4-BE49-F238E27FC236}">
-                <a16:creationId xmlns:a16="http://schemas.microsoft.com/office/drawing/2014/main" id="{35BF1BAF-37C4-00AF-7ECA-CFB5178B11C1}"/>
+                <a16:creationId xmlns:a16="http://schemas.microsoft.com/office/drawing/2014/main" id="{D42703C7-839C-7813-86E7-C5E94D63E216}"/>
               </a:ext>
             </a:extLst>
           </p:cNvPr>
@@ -2003,7 +2003,7 @@
           <a:bodyPr/>
           <a:lstStyle/>
           <a:p>
-            <a:fld id="{D1323886-4EE6-44BF-A46A-048D25994BBB}" type="slidenum">
+            <a:fld id="{8D73F9B7-6A3D-4ABE-A99D-2A7CF91E82AE}" type="slidenum">
               <a:rPr lang="zh-CN" altLang="en-US" smtClean="0"/>
               <a:t>‹#›</a:t>
             </a:fld>
@@ -2014,7 +2014,7 @@
     </p:spTree>
     <p:extLst>
       <p:ext uri="{BB962C8B-B14F-4D97-AF65-F5344CB8AC3E}">
-        <p14:creationId xmlns:p14="http://schemas.microsoft.com/office/powerpoint/2010/main" val="2524217531"/>
+        <p14:creationId xmlns:p14="http://schemas.microsoft.com/office/powerpoint/2010/main" val="3700870081"/>
       </p:ext>
     </p:extLst>
   </p:cSld>
@@ -2046,7 +2046,7 @@
           <p:cNvPr id="2" name="日期占位符 1">
             <a:extLst>
               <a:ext uri="{FF2B5EF4-FFF2-40B4-BE49-F238E27FC236}">
-                <a16:creationId xmlns:a16="http://schemas.microsoft.com/office/drawing/2014/main" id="{47E9BDB3-2508-C8C2-D56D-B8D4FBD54D80}"/>
+                <a16:creationId xmlns:a16="http://schemas.microsoft.com/office/drawing/2014/main" id="{5FEA33B0-5DE5-4D7D-8814-2D3F1D3E5574}"/>
               </a:ext>
             </a:extLst>
           </p:cNvPr>
@@ -2062,7 +2062,7 @@
           <a:bodyPr/>
           <a:lstStyle/>
           <a:p>
-            <a:fld id="{EC5EED41-C99B-4A47-AD60-15DF244AF524}" type="datetimeFigureOut">
+            <a:fld id="{86292F41-5642-4100-84D3-ABD41DA87D0E}" type="datetimeFigureOut">
               <a:rPr lang="zh-CN" altLang="en-US" smtClean="0"/>
               <a:t>2024/3/10</a:t>
             </a:fld>
@@ -2075,7 +2075,7 @@
           <p:cNvPr id="3" name="页脚占位符 2">
             <a:extLst>
               <a:ext uri="{FF2B5EF4-FFF2-40B4-BE49-F238E27FC236}">
-                <a16:creationId xmlns:a16="http://schemas.microsoft.com/office/drawing/2014/main" id="{AFED7F5C-DDE1-A050-3BED-6958D9F5EEAC}"/>
+                <a16:creationId xmlns:a16="http://schemas.microsoft.com/office/drawing/2014/main" id="{D110ECD6-B377-DF3C-6AE2-6155D1DF1B05}"/>
               </a:ext>
             </a:extLst>
           </p:cNvPr>
@@ -2100,7 +2100,7 @@
           <p:cNvPr id="4" name="灯片编号占位符 3">
             <a:extLst>
               <a:ext uri="{FF2B5EF4-FFF2-40B4-BE49-F238E27FC236}">
-                <a16:creationId xmlns:a16="http://schemas.microsoft.com/office/drawing/2014/main" id="{70308CF0-A37E-2041-9930-FDC8F9F910B1}"/>
+                <a16:creationId xmlns:a16="http://schemas.microsoft.com/office/drawing/2014/main" id="{1457499A-E6BF-E9CD-A749-81CEDF25CB59}"/>
               </a:ext>
             </a:extLst>
           </p:cNvPr>
@@ -2116,7 +2116,7 @@
           <a:bodyPr/>
           <a:lstStyle/>
           <a:p>
-            <a:fld id="{D1323886-4EE6-44BF-A46A-048D25994BBB}" type="slidenum">
+            <a:fld id="{8D73F9B7-6A3D-4ABE-A99D-2A7CF91E82AE}" type="slidenum">
               <a:rPr lang="zh-CN" altLang="en-US" smtClean="0"/>
               <a:t>‹#›</a:t>
             </a:fld>
@@ -2127,7 +2127,7 @@
     </p:spTree>
     <p:extLst>
       <p:ext uri="{BB962C8B-B14F-4D97-AF65-F5344CB8AC3E}">
-        <p14:creationId xmlns:p14="http://schemas.microsoft.com/office/powerpoint/2010/main" val="154714084"/>
+        <p14:creationId xmlns:p14="http://schemas.microsoft.com/office/powerpoint/2010/main" val="334301769"/>
       </p:ext>
     </p:extLst>
   </p:cSld>
@@ -2159,7 +2159,7 @@
           <p:cNvPr id="2" name="标题 1">
             <a:extLst>
               <a:ext uri="{FF2B5EF4-FFF2-40B4-BE49-F238E27FC236}">
-                <a16:creationId xmlns:a16="http://schemas.microsoft.com/office/drawing/2014/main" id="{FA0BC4A8-0189-D4DB-52D4-C76B2774DA7B}"/>
+                <a16:creationId xmlns:a16="http://schemas.microsoft.com/office/drawing/2014/main" id="{98AE6C34-5644-2824-68F1-C44C73BFFF5C}"/>
               </a:ext>
             </a:extLst>
           </p:cNvPr>
@@ -2196,7 +2196,7 @@
           <p:cNvPr id="3" name="内容占位符 2">
             <a:extLst>
               <a:ext uri="{FF2B5EF4-FFF2-40B4-BE49-F238E27FC236}">
-                <a16:creationId xmlns:a16="http://schemas.microsoft.com/office/drawing/2014/main" id="{2DB0CC56-6BCA-8A5F-35AB-D1DDEC3FC6EE}"/>
+                <a16:creationId xmlns:a16="http://schemas.microsoft.com/office/drawing/2014/main" id="{F21294E1-1BB2-83F2-5142-0B26858207A5}"/>
               </a:ext>
             </a:extLst>
           </p:cNvPr>
@@ -2286,7 +2286,7 @@
           <p:cNvPr id="4" name="文本占位符 3">
             <a:extLst>
               <a:ext uri="{FF2B5EF4-FFF2-40B4-BE49-F238E27FC236}">
-                <a16:creationId xmlns:a16="http://schemas.microsoft.com/office/drawing/2014/main" id="{48F14C17-F022-D8B2-1B02-FED88D470A8A}"/>
+                <a16:creationId xmlns:a16="http://schemas.microsoft.com/office/drawing/2014/main" id="{2BE4EB8E-B0A5-0441-29B2-2DA8494F2EA9}"/>
               </a:ext>
             </a:extLst>
           </p:cNvPr>
@@ -2357,7 +2357,7 @@
           <p:cNvPr id="5" name="日期占位符 4">
             <a:extLst>
               <a:ext uri="{FF2B5EF4-FFF2-40B4-BE49-F238E27FC236}">
-                <a16:creationId xmlns:a16="http://schemas.microsoft.com/office/drawing/2014/main" id="{D64FDBA6-C9E0-6843-1A83-DB069F8F8B9F}"/>
+                <a16:creationId xmlns:a16="http://schemas.microsoft.com/office/drawing/2014/main" id="{484A0EE1-1B53-9B58-3321-D05036552F94}"/>
               </a:ext>
             </a:extLst>
           </p:cNvPr>
@@ -2373,7 +2373,7 @@
           <a:bodyPr/>
           <a:lstStyle/>
           <a:p>
-            <a:fld id="{EC5EED41-C99B-4A47-AD60-15DF244AF524}" type="datetimeFigureOut">
+            <a:fld id="{86292F41-5642-4100-84D3-ABD41DA87D0E}" type="datetimeFigureOut">
               <a:rPr lang="zh-CN" altLang="en-US" smtClean="0"/>
               <a:t>2024/3/10</a:t>
             </a:fld>
@@ -2386,7 +2386,7 @@
           <p:cNvPr id="6" name="页脚占位符 5">
             <a:extLst>
               <a:ext uri="{FF2B5EF4-FFF2-40B4-BE49-F238E27FC236}">
-                <a16:creationId xmlns:a16="http://schemas.microsoft.com/office/drawing/2014/main" id="{9F7576BB-DBDD-4010-D512-38C05FC8A8DA}"/>
+                <a16:creationId xmlns:a16="http://schemas.microsoft.com/office/drawing/2014/main" id="{D48ED2DF-C4E9-B3CD-4456-97993051DEF9}"/>
               </a:ext>
             </a:extLst>
           </p:cNvPr>
@@ -2411,7 +2411,7 @@
           <p:cNvPr id="7" name="灯片编号占位符 6">
             <a:extLst>
               <a:ext uri="{FF2B5EF4-FFF2-40B4-BE49-F238E27FC236}">
-                <a16:creationId xmlns:a16="http://schemas.microsoft.com/office/drawing/2014/main" id="{BF4349EB-FF1D-684C-896F-0C0A951DC431}"/>
+                <a16:creationId xmlns:a16="http://schemas.microsoft.com/office/drawing/2014/main" id="{08F34CF2-A5AD-118E-AE7F-5FDD97BFBCB5}"/>
               </a:ext>
             </a:extLst>
           </p:cNvPr>
@@ -2427,7 +2427,7 @@
           <a:bodyPr/>
           <a:lstStyle/>
           <a:p>
-            <a:fld id="{D1323886-4EE6-44BF-A46A-048D25994BBB}" type="slidenum">
+            <a:fld id="{8D73F9B7-6A3D-4ABE-A99D-2A7CF91E82AE}" type="slidenum">
               <a:rPr lang="zh-CN" altLang="en-US" smtClean="0"/>
               <a:t>‹#›</a:t>
             </a:fld>
@@ -2438,7 +2438,7 @@
     </p:spTree>
     <p:extLst>
       <p:ext uri="{BB962C8B-B14F-4D97-AF65-F5344CB8AC3E}">
-        <p14:creationId xmlns:p14="http://schemas.microsoft.com/office/powerpoint/2010/main" val="1470628258"/>
+        <p14:creationId xmlns:p14="http://schemas.microsoft.com/office/powerpoint/2010/main" val="607683955"/>
       </p:ext>
     </p:extLst>
   </p:cSld>
@@ -2470,7 +2470,7 @@
           <p:cNvPr id="2" name="标题 1">
             <a:extLst>
               <a:ext uri="{FF2B5EF4-FFF2-40B4-BE49-F238E27FC236}">
-                <a16:creationId xmlns:a16="http://schemas.microsoft.com/office/drawing/2014/main" id="{23315AAD-12F7-5253-0078-977E0F767286}"/>
+                <a16:creationId xmlns:a16="http://schemas.microsoft.com/office/drawing/2014/main" id="{9D7E9998-560F-C2FF-97AE-EDF0C89506D9}"/>
               </a:ext>
             </a:extLst>
           </p:cNvPr>
@@ -2507,7 +2507,7 @@
           <p:cNvPr id="3" name="图片占位符 2">
             <a:extLst>
               <a:ext uri="{FF2B5EF4-FFF2-40B4-BE49-F238E27FC236}">
-                <a16:creationId xmlns:a16="http://schemas.microsoft.com/office/drawing/2014/main" id="{03104F03-2B95-B216-3485-6AAC001EF860}"/>
+                <a16:creationId xmlns:a16="http://schemas.microsoft.com/office/drawing/2014/main" id="{D175E9D8-258E-B01E-1524-8BA050EBEB7F}"/>
               </a:ext>
             </a:extLst>
           </p:cNvPr>
@@ -2574,7 +2574,7 @@
           <p:cNvPr id="4" name="文本占位符 3">
             <a:extLst>
               <a:ext uri="{FF2B5EF4-FFF2-40B4-BE49-F238E27FC236}">
-                <a16:creationId xmlns:a16="http://schemas.microsoft.com/office/drawing/2014/main" id="{0AE5527F-B9CE-D293-7BFB-5DFBB08FE96C}"/>
+                <a16:creationId xmlns:a16="http://schemas.microsoft.com/office/drawing/2014/main" id="{8E10E990-BB7B-87B4-1016-1FD75756E122}"/>
               </a:ext>
             </a:extLst>
           </p:cNvPr>
@@ -2645,7 +2645,7 @@
           <p:cNvPr id="5" name="日期占位符 4">
             <a:extLst>
               <a:ext uri="{FF2B5EF4-FFF2-40B4-BE49-F238E27FC236}">
-                <a16:creationId xmlns:a16="http://schemas.microsoft.com/office/drawing/2014/main" id="{05FC398C-D396-5447-0838-1F64293AE9C6}"/>
+                <a16:creationId xmlns:a16="http://schemas.microsoft.com/office/drawing/2014/main" id="{D5DF217F-5EC9-C3C7-D243-95503DC76A01}"/>
               </a:ext>
             </a:extLst>
           </p:cNvPr>
@@ -2661,7 +2661,7 @@
           <a:bodyPr/>
           <a:lstStyle/>
           <a:p>
-            <a:fld id="{EC5EED41-C99B-4A47-AD60-15DF244AF524}" type="datetimeFigureOut">
+            <a:fld id="{86292F41-5642-4100-84D3-ABD41DA87D0E}" type="datetimeFigureOut">
               <a:rPr lang="zh-CN" altLang="en-US" smtClean="0"/>
               <a:t>2024/3/10</a:t>
             </a:fld>
@@ -2674,7 +2674,7 @@
           <p:cNvPr id="6" name="页脚占位符 5">
             <a:extLst>
               <a:ext uri="{FF2B5EF4-FFF2-40B4-BE49-F238E27FC236}">
-                <a16:creationId xmlns:a16="http://schemas.microsoft.com/office/drawing/2014/main" id="{E4DE862E-555B-89C8-84BD-941A284F8F2C}"/>
+                <a16:creationId xmlns:a16="http://schemas.microsoft.com/office/drawing/2014/main" id="{C3D6076C-81E5-70D1-1274-497B01229CFF}"/>
               </a:ext>
             </a:extLst>
           </p:cNvPr>
@@ -2699,7 +2699,7 @@
           <p:cNvPr id="7" name="灯片编号占位符 6">
             <a:extLst>
               <a:ext uri="{FF2B5EF4-FFF2-40B4-BE49-F238E27FC236}">
-                <a16:creationId xmlns:a16="http://schemas.microsoft.com/office/drawing/2014/main" id="{3EF036C7-309A-44D6-8713-913F22DA22FA}"/>
+                <a16:creationId xmlns:a16="http://schemas.microsoft.com/office/drawing/2014/main" id="{C908FF80-4E71-EFC2-4993-AB5AF687F904}"/>
               </a:ext>
             </a:extLst>
           </p:cNvPr>
@@ -2715,7 +2715,7 @@
           <a:bodyPr/>
           <a:lstStyle/>
           <a:p>
-            <a:fld id="{D1323886-4EE6-44BF-A46A-048D25994BBB}" type="slidenum">
+            <a:fld id="{8D73F9B7-6A3D-4ABE-A99D-2A7CF91E82AE}" type="slidenum">
               <a:rPr lang="zh-CN" altLang="en-US" smtClean="0"/>
               <a:t>‹#›</a:t>
             </a:fld>
@@ -2726,7 +2726,7 @@
     </p:spTree>
     <p:extLst>
       <p:ext uri="{BB962C8B-B14F-4D97-AF65-F5344CB8AC3E}">
-        <p14:creationId xmlns:p14="http://schemas.microsoft.com/office/powerpoint/2010/main" val="3466059149"/>
+        <p14:creationId xmlns:p14="http://schemas.microsoft.com/office/powerpoint/2010/main" val="3948383433"/>
       </p:ext>
     </p:extLst>
   </p:cSld>
@@ -2763,7 +2763,7 @@
           <p:cNvPr id="2" name="标题占位符 1">
             <a:extLst>
               <a:ext uri="{FF2B5EF4-FFF2-40B4-BE49-F238E27FC236}">
-                <a16:creationId xmlns:a16="http://schemas.microsoft.com/office/drawing/2014/main" id="{693CC1C5-A25B-6713-358C-09FCDA2D2B0D}"/>
+                <a16:creationId xmlns:a16="http://schemas.microsoft.com/office/drawing/2014/main" id="{A5C14E24-CE56-A621-FFAB-F88ABC4C24AD}"/>
               </a:ext>
             </a:extLst>
           </p:cNvPr>
@@ -2801,7 +2801,7 @@
           <p:cNvPr id="3" name="文本占位符 2">
             <a:extLst>
               <a:ext uri="{FF2B5EF4-FFF2-40B4-BE49-F238E27FC236}">
-                <a16:creationId xmlns:a16="http://schemas.microsoft.com/office/drawing/2014/main" id="{9D46170C-F6E5-2059-D10B-109A3B9EF85C}"/>
+                <a16:creationId xmlns:a16="http://schemas.microsoft.com/office/drawing/2014/main" id="{E5257D1C-5CDA-7EF0-4D3D-F4806637D6E1}"/>
               </a:ext>
             </a:extLst>
           </p:cNvPr>
@@ -2868,7 +2868,7 @@
           <p:cNvPr id="4" name="日期占位符 3">
             <a:extLst>
               <a:ext uri="{FF2B5EF4-FFF2-40B4-BE49-F238E27FC236}">
-                <a16:creationId xmlns:a16="http://schemas.microsoft.com/office/drawing/2014/main" id="{F68B5F8F-77EB-6D45-EEB7-3DDB04D32949}"/>
+                <a16:creationId xmlns:a16="http://schemas.microsoft.com/office/drawing/2014/main" id="{686D02BE-B030-F316-8EAF-7256FCFF579E}"/>
               </a:ext>
             </a:extLst>
           </p:cNvPr>
@@ -2902,7 +2902,7 @@
             </a:lvl1pPr>
           </a:lstStyle>
           <a:p>
-            <a:fld id="{EC5EED41-C99B-4A47-AD60-15DF244AF524}" type="datetimeFigureOut">
+            <a:fld id="{86292F41-5642-4100-84D3-ABD41DA87D0E}" type="datetimeFigureOut">
               <a:rPr lang="zh-CN" altLang="en-US" smtClean="0"/>
               <a:t>2024/3/10</a:t>
             </a:fld>
@@ -2915,7 +2915,7 @@
           <p:cNvPr id="5" name="页脚占位符 4">
             <a:extLst>
               <a:ext uri="{FF2B5EF4-FFF2-40B4-BE49-F238E27FC236}">
-                <a16:creationId xmlns:a16="http://schemas.microsoft.com/office/drawing/2014/main" id="{E82BE113-BF1D-3618-3002-E9FEAB9051E1}"/>
+                <a16:creationId xmlns:a16="http://schemas.microsoft.com/office/drawing/2014/main" id="{335619A0-7E5B-0F69-38FC-8EEDA258E7E1}"/>
               </a:ext>
             </a:extLst>
           </p:cNvPr>
@@ -2958,7 +2958,7 @@
           <p:cNvPr id="6" name="灯片编号占位符 5">
             <a:extLst>
               <a:ext uri="{FF2B5EF4-FFF2-40B4-BE49-F238E27FC236}">
-                <a16:creationId xmlns:a16="http://schemas.microsoft.com/office/drawing/2014/main" id="{B438E5B8-1406-BF23-ED3D-31999676A2CB}"/>
+                <a16:creationId xmlns:a16="http://schemas.microsoft.com/office/drawing/2014/main" id="{442BA6CA-90D8-98D0-D80C-A9366230E6A2}"/>
               </a:ext>
             </a:extLst>
           </p:cNvPr>
@@ -2992,7 +2992,7 @@
             </a:lvl1pPr>
           </a:lstStyle>
           <a:p>
-            <a:fld id="{D1323886-4EE6-44BF-A46A-048D25994BBB}" type="slidenum">
+            <a:fld id="{8D73F9B7-6A3D-4ABE-A99D-2A7CF91E82AE}" type="slidenum">
               <a:rPr lang="zh-CN" altLang="en-US" smtClean="0"/>
               <a:t>‹#›</a:t>
             </a:fld>
@@ -3003,7 +3003,7 @@
     </p:spTree>
     <p:extLst>
       <p:ext uri="{BB962C8B-B14F-4D97-AF65-F5344CB8AC3E}">
-        <p14:creationId xmlns:p14="http://schemas.microsoft.com/office/powerpoint/2010/main" val="1380022833"/>
+        <p14:creationId xmlns:p14="http://schemas.microsoft.com/office/powerpoint/2010/main" val="1646594742"/>
       </p:ext>
     </p:extLst>
   </p:cSld>
@@ -3323,7 +3323,7 @@
       </p:grpSpPr>
       <p:pic>
         <p:nvPicPr>
-          <p:cNvPr id="419842" name="Picture 2" descr="409"/>
+          <p:cNvPr id="420866" name="Picture 2" descr="410"/>
           <p:cNvPicPr>
             <a:picLocks noChangeAspect="1" noChangeArrowheads="1"/>
           </p:cNvPicPr>
